--- a/화면 설계서/5.원자재 품목 조회 페이지.pptx
+++ b/화면 설계서/5.원자재 품목 조회 페이지.pptx
@@ -3980,7 +3980,7 @@
           <p:nvPr>
             <p:extLst>
               <p:ext uri="{D42A27DB-BD31-4B8C-83A1-F6EECF244321}">
-                <p14:modId xmlns:p14="http://schemas.microsoft.com/office/powerpoint/2010/main" val="3247433992"/>
+                <p14:modId xmlns:p14="http://schemas.microsoft.com/office/powerpoint/2010/main" val="1856163776"/>
               </p:ext>
             </p:extLst>
           </p:nvPr>
@@ -4194,10 +4194,10 @@
                     <a:p>
                       <a:pPr latinLnBrk="1"/>
                       <a:r>
-                        <a:rPr lang="en-US" altLang="ko-KR" sz="1000"/>
+                        <a:rPr lang="en-US" altLang="ko-KR" sz="1000" u="sng" dirty="0"/>
                         <a:t>RM-0001</a:t>
                       </a:r>
-                      <a:endParaRPr lang="ko-KR" altLang="en-US" sz="1000"/>
+                      <a:endParaRPr lang="ko-KR" altLang="en-US" sz="1000" u="sng" dirty="0"/>
                     </a:p>
                   </a:txBody>
                   <a:tcPr/>
@@ -4327,14 +4327,14 @@
                         <a:defRPr/>
                       </a:pPr>
                       <a:r>
-                        <a:rPr lang="en-US" altLang="ko-KR" sz="1000"/>
+                        <a:rPr lang="en-US" altLang="ko-KR" sz="1000" u="sng" dirty="0"/>
                         <a:t>RM-0002</a:t>
                       </a:r>
-                      <a:endParaRPr lang="ko-KR" altLang="en-US" sz="1000"/>
+                      <a:endParaRPr lang="ko-KR" altLang="en-US" sz="1000" u="sng" dirty="0"/>
                     </a:p>
                     <a:p>
                       <a:pPr latinLnBrk="1"/>
-                      <a:endParaRPr lang="ko-KR" altLang="en-US" sz="1000"/>
+                      <a:endParaRPr lang="ko-KR" altLang="en-US" sz="1000" u="sng" dirty="0"/>
                     </a:p>
                   </a:txBody>
                   <a:tcPr/>
@@ -4467,10 +4467,10 @@
                         <a:defRPr/>
                       </a:pPr>
                       <a:r>
-                        <a:rPr lang="en-US" altLang="ko-KR" sz="1000"/>
+                        <a:rPr lang="en-US" altLang="ko-KR" sz="1000" u="sng"/>
                         <a:t>RM-0003</a:t>
                       </a:r>
-                      <a:endParaRPr lang="ko-KR" altLang="en-US" sz="1000"/>
+                      <a:endParaRPr lang="ko-KR" altLang="en-US" sz="1000" u="sng"/>
                     </a:p>
                   </a:txBody>
                   <a:tcPr/>
@@ -4606,14 +4606,14 @@
                         <a:defRPr/>
                       </a:pPr>
                       <a:r>
-                        <a:rPr lang="en-US" altLang="ko-KR" sz="1000"/>
+                        <a:rPr lang="en-US" altLang="ko-KR" sz="1000" u="sng" dirty="0"/>
                         <a:t>RM-0004</a:t>
                       </a:r>
-                      <a:endParaRPr lang="ko-KR" altLang="en-US" sz="1000"/>
+                      <a:endParaRPr lang="ko-KR" altLang="en-US" sz="1000" u="sng" dirty="0"/>
                     </a:p>
                     <a:p>
                       <a:pPr latinLnBrk="1"/>
-                      <a:endParaRPr lang="ko-KR" altLang="en-US" sz="1000"/>
+                      <a:endParaRPr lang="ko-KR" altLang="en-US" sz="1000" u="sng" dirty="0"/>
                     </a:p>
                   </a:txBody>
                   <a:tcPr/>
@@ -4750,14 +4750,14 @@
                         <a:defRPr/>
                       </a:pPr>
                       <a:r>
-                        <a:rPr lang="en-US" altLang="ko-KR" sz="1000"/>
+                        <a:rPr lang="en-US" altLang="ko-KR" sz="1000" u="sng" dirty="0"/>
                         <a:t>RM-0005</a:t>
                       </a:r>
-                      <a:endParaRPr lang="ko-KR" altLang="en-US" sz="1000"/>
+                      <a:endParaRPr lang="ko-KR" altLang="en-US" sz="1000" u="sng" dirty="0"/>
                     </a:p>
                     <a:p>
                       <a:pPr latinLnBrk="1"/>
-                      <a:endParaRPr lang="ko-KR" altLang="en-US" sz="1000"/>
+                      <a:endParaRPr lang="ko-KR" altLang="en-US" sz="1000" u="sng" dirty="0"/>
                     </a:p>
                   </a:txBody>
                   <a:tcPr/>
@@ -4897,14 +4897,14 @@
                         <a:defRPr/>
                       </a:pPr>
                       <a:r>
-                        <a:rPr lang="en-US" altLang="ko-KR" sz="1000"/>
+                        <a:rPr lang="en-US" altLang="ko-KR" sz="1000" u="sng" dirty="0"/>
                         <a:t>RM-0006</a:t>
                       </a:r>
-                      <a:endParaRPr lang="ko-KR" altLang="en-US" sz="1000"/>
+                      <a:endParaRPr lang="ko-KR" altLang="en-US" sz="1000" u="sng" dirty="0"/>
                     </a:p>
                     <a:p>
                       <a:pPr latinLnBrk="1"/>
-                      <a:endParaRPr lang="ko-KR" altLang="en-US" sz="1000"/>
+                      <a:endParaRPr lang="ko-KR" altLang="en-US" sz="1000" u="sng" dirty="0"/>
                     </a:p>
                   </a:txBody>
                   <a:tcPr/>
@@ -5043,14 +5043,14 @@
                         <a:defRPr/>
                       </a:pPr>
                       <a:r>
-                        <a:rPr lang="en-US" altLang="ko-KR" sz="1000"/>
+                        <a:rPr lang="en-US" altLang="ko-KR" sz="1000" u="sng" dirty="0"/>
                         <a:t>PM-0001</a:t>
                       </a:r>
-                      <a:endParaRPr lang="ko-KR" altLang="en-US" sz="1000"/>
+                      <a:endParaRPr lang="ko-KR" altLang="en-US" sz="1000" u="sng" dirty="0"/>
                     </a:p>
                     <a:p>
                       <a:pPr latinLnBrk="1"/>
-                      <a:endParaRPr lang="ko-KR" altLang="en-US" sz="1000"/>
+                      <a:endParaRPr lang="ko-KR" altLang="en-US" sz="1000" u="sng" dirty="0"/>
                     </a:p>
                   </a:txBody>
                   <a:tcPr/>
@@ -5196,14 +5196,14 @@
                         <a:defRPr/>
                       </a:pPr>
                       <a:r>
-                        <a:rPr lang="en-US" altLang="ko-KR" sz="1000"/>
+                        <a:rPr lang="en-US" altLang="ko-KR" sz="1000" u="sng" dirty="0"/>
                         <a:t>PM-0002</a:t>
                       </a:r>
-                      <a:endParaRPr lang="ko-KR" altLang="en-US" sz="1000"/>
+                      <a:endParaRPr lang="ko-KR" altLang="en-US" sz="1000" u="sng" dirty="0"/>
                     </a:p>
                     <a:p>
                       <a:pPr latinLnBrk="1"/>
-                      <a:endParaRPr lang="ko-KR" altLang="en-US" sz="1000"/>
+                      <a:endParaRPr lang="ko-KR" altLang="en-US" sz="1000" u="sng" dirty="0"/>
                     </a:p>
                   </a:txBody>
                   <a:tcPr/>
@@ -5379,10 +5379,10 @@
                         <a:defRPr/>
                       </a:pPr>
                       <a:r>
-                        <a:rPr lang="en-US" altLang="ko-KR" sz="1000"/>
+                        <a:rPr lang="en-US" altLang="ko-KR" sz="1000" u="sng" dirty="0"/>
                         <a:t>PM-0005</a:t>
                       </a:r>
-                      <a:endParaRPr lang="ko-KR" altLang="en-US" sz="1000"/>
+                      <a:endParaRPr lang="ko-KR" altLang="en-US" sz="1000" u="sng" dirty="0"/>
                     </a:p>
                   </a:txBody>
                   <a:tcPr/>
@@ -5538,14 +5538,14 @@
                         <a:defRPr/>
                       </a:pPr>
                       <a:r>
-                        <a:rPr lang="en-US" altLang="ko-KR" sz="1000"/>
+                        <a:rPr lang="en-US" altLang="ko-KR" sz="1000" u="sng" dirty="0"/>
                         <a:t>PM-0006</a:t>
                       </a:r>
-                      <a:endParaRPr lang="ko-KR" altLang="en-US" sz="1000"/>
+                      <a:endParaRPr lang="ko-KR" altLang="en-US" sz="1000" u="sng" dirty="0"/>
                     </a:p>
                     <a:p>
                       <a:pPr latinLnBrk="1"/>
-                      <a:endParaRPr lang="ko-KR" altLang="en-US" sz="1000"/>
+                      <a:endParaRPr lang="ko-KR" altLang="en-US" sz="1000" u="sng" dirty="0"/>
                     </a:p>
                   </a:txBody>
                   <a:tcPr/>
@@ -5651,9 +5651,10 @@
                         <a:defRPr/>
                       </a:pPr>
                       <a:r>
-                        <a:rPr lang="ko-KR" altLang="en-US"/>
+                        <a:rPr lang="ko-KR" altLang="en-US" dirty="0" err="1"/>
                         <a:t>거래중</a:t>
                       </a:r>
+                      <a:endParaRPr lang="ko-KR" altLang="en-US" dirty="0"/>
                     </a:p>
                   </a:txBody>
                   <a:tcPr/>

--- a/화면 설계서/5.원자재 품목 조회 페이지.pptx
+++ b/화면 설계서/5.원자재 품목 조회 페이지.pptx
@@ -3980,14 +3980,14 @@
           <p:nvPr>
             <p:extLst>
               <p:ext uri="{D42A27DB-BD31-4B8C-83A1-F6EECF244321}">
-                <p14:modId xmlns:p14="http://schemas.microsoft.com/office/powerpoint/2010/main" val="1856163776"/>
+                <p14:modId xmlns:p14="http://schemas.microsoft.com/office/powerpoint/2010/main" val="828645665"/>
               </p:ext>
             </p:extLst>
           </p:nvPr>
         </p:nvGraphicFramePr>
         <p:xfrm>
           <a:off x="174661" y="1734815"/>
-          <a:ext cx="11864188" cy="4479897"/>
+          <a:ext cx="11864188" cy="4302097"/>
         </p:xfrm>
         <a:graphic>
           <a:graphicData uri="http://schemas.openxmlformats.org/drawingml/2006/table">
@@ -4003,21 +4003,21 @@
                     </a:ext>
                   </a:extLst>
                 </a:gridCol>
-                <a:gridCol w="1373720">
+                <a:gridCol w="1191778">
                   <a:extLst>
                     <a:ext uri="{9D8B030D-6E8A-4147-A177-3AD203B41FA5}">
                       <a16:colId xmlns:a16="http://schemas.microsoft.com/office/drawing/2014/main" val="3017782760"/>
                     </a:ext>
                   </a:extLst>
                 </a:gridCol>
-                <a:gridCol w="1230195">
+                <a:gridCol w="1467960">
                   <a:extLst>
                     <a:ext uri="{9D8B030D-6E8A-4147-A177-3AD203B41FA5}">
                       <a16:colId xmlns:a16="http://schemas.microsoft.com/office/drawing/2014/main" val="79414819"/>
                     </a:ext>
                   </a:extLst>
                 </a:gridCol>
-                <a:gridCol w="2480898">
+                <a:gridCol w="2425075">
                   <a:extLst>
                     <a:ext uri="{9D8B030D-6E8A-4147-A177-3AD203B41FA5}">
                       <a16:colId xmlns:a16="http://schemas.microsoft.com/office/drawing/2014/main" val="1597943635"/>
@@ -4194,10 +4194,10 @@
                     <a:p>
                       <a:pPr latinLnBrk="1"/>
                       <a:r>
-                        <a:rPr lang="en-US" altLang="ko-KR" sz="1000" u="sng" dirty="0"/>
+                        <a:rPr lang="en-US" altLang="ko-KR" sz="1000" u="none" dirty="0"/>
                         <a:t>RM-0001</a:t>
                       </a:r>
-                      <a:endParaRPr lang="ko-KR" altLang="en-US" sz="1000" u="sng" dirty="0"/>
+                      <a:endParaRPr lang="ko-KR" altLang="en-US" sz="1000" u="none" dirty="0"/>
                     </a:p>
                   </a:txBody>
                   <a:tcPr/>
@@ -4211,11 +4211,11 @@
                         <a:buNone/>
                       </a:pPr>
                       <a:r>
-                        <a:rPr lang="en-US" altLang="ko-KR" sz="1000"/>
+                        <a:rPr lang="en-US" altLang="ko-KR" sz="1000" u="sng"/>
                         <a:t>KS M 6020 </a:t>
                       </a:r>
                       <a:r>
-                        <a:rPr lang="ko-KR" altLang="en-US" sz="1000"/>
+                        <a:rPr lang="ko-KR" altLang="en-US" sz="1000" u="sng"/>
                         <a:t>유성도료</a:t>
                       </a:r>
                     </a:p>
@@ -4327,14 +4327,14 @@
                         <a:defRPr/>
                       </a:pPr>
                       <a:r>
-                        <a:rPr lang="en-US" altLang="ko-KR" sz="1000" u="sng" dirty="0"/>
+                        <a:rPr lang="en-US" altLang="ko-KR" sz="1000" u="none" dirty="0"/>
                         <a:t>RM-0002</a:t>
                       </a:r>
-                      <a:endParaRPr lang="ko-KR" altLang="en-US" sz="1000" u="sng" dirty="0"/>
+                      <a:endParaRPr lang="ko-KR" altLang="en-US" sz="1000" u="none" dirty="0"/>
                     </a:p>
                     <a:p>
                       <a:pPr latinLnBrk="1"/>
-                      <a:endParaRPr lang="ko-KR" altLang="en-US" sz="1000" u="sng" dirty="0"/>
+                      <a:endParaRPr lang="ko-KR" altLang="en-US" sz="1000" u="none" dirty="0"/>
                     </a:p>
                   </a:txBody>
                   <a:tcPr/>
@@ -4346,7 +4346,7 @@
                     <a:p>
                       <a:pPr latinLnBrk="1"/>
                       <a:r>
-                        <a:rPr lang="ko-KR" altLang="en-US" sz="1000"/>
+                        <a:rPr lang="ko-KR" altLang="en-US" sz="1000" u="sng"/>
                         <a:t>실리콘 마스킹 테이프</a:t>
                       </a:r>
                     </a:p>
@@ -4467,10 +4467,10 @@
                         <a:defRPr/>
                       </a:pPr>
                       <a:r>
-                        <a:rPr lang="en-US" altLang="ko-KR" sz="1000" u="sng"/>
+                        <a:rPr lang="en-US" altLang="ko-KR" sz="1000" u="none"/>
                         <a:t>RM-0003</a:t>
                       </a:r>
-                      <a:endParaRPr lang="ko-KR" altLang="en-US" sz="1000" u="sng"/>
+                      <a:endParaRPr lang="ko-KR" altLang="en-US" sz="1000" u="none"/>
                     </a:p>
                   </a:txBody>
                   <a:tcPr/>
@@ -4482,7 +4482,7 @@
                     <a:p>
                       <a:pPr latinLnBrk="1"/>
                       <a:r>
-                        <a:rPr lang="ko-KR" altLang="en-US" sz="1000"/>
+                        <a:rPr lang="ko-KR" altLang="en-US" sz="1000" u="sng"/>
                         <a:t>철제 지그</a:t>
                       </a:r>
                     </a:p>
@@ -4606,14 +4606,14 @@
                         <a:defRPr/>
                       </a:pPr>
                       <a:r>
-                        <a:rPr lang="en-US" altLang="ko-KR" sz="1000" u="sng" dirty="0"/>
+                        <a:rPr lang="en-US" altLang="ko-KR" sz="1000" u="none" dirty="0"/>
                         <a:t>RM-0004</a:t>
                       </a:r>
-                      <a:endParaRPr lang="ko-KR" altLang="en-US" sz="1000" u="sng" dirty="0"/>
+                      <a:endParaRPr lang="ko-KR" altLang="en-US" sz="1000" u="none" dirty="0"/>
                     </a:p>
                     <a:p>
                       <a:pPr latinLnBrk="1"/>
-                      <a:endParaRPr lang="ko-KR" altLang="en-US" sz="1000" u="sng" dirty="0"/>
+                      <a:endParaRPr lang="ko-KR" altLang="en-US" sz="1000" u="none" dirty="0"/>
                     </a:p>
                   </a:txBody>
                   <a:tcPr/>
@@ -4625,10 +4625,10 @@
                     <a:p>
                       <a:pPr latinLnBrk="1"/>
                       <a:r>
-                        <a:rPr lang="en-US" altLang="ko-KR" sz="1000"/>
+                        <a:rPr lang="en-US" altLang="ko-KR" sz="1000" u="sng"/>
                         <a:t>WILO WHITE TOP COAT</a:t>
                       </a:r>
-                      <a:endParaRPr lang="ko-KR" altLang="en-US" sz="1000"/>
+                      <a:endParaRPr lang="ko-KR" altLang="en-US" sz="1000" u="sng"/>
                     </a:p>
                   </a:txBody>
                   <a:tcPr/>
@@ -4750,14 +4750,14 @@
                         <a:defRPr/>
                       </a:pPr>
                       <a:r>
-                        <a:rPr lang="en-US" altLang="ko-KR" sz="1000" u="sng" dirty="0"/>
+                        <a:rPr lang="en-US" altLang="ko-KR" sz="1000" u="none" dirty="0"/>
                         <a:t>RM-0005</a:t>
                       </a:r>
-                      <a:endParaRPr lang="ko-KR" altLang="en-US" sz="1000" u="sng" dirty="0"/>
+                      <a:endParaRPr lang="ko-KR" altLang="en-US" sz="1000" u="none" dirty="0"/>
                     </a:p>
                     <a:p>
                       <a:pPr latinLnBrk="1"/>
-                      <a:endParaRPr lang="ko-KR" altLang="en-US" sz="1000" u="sng" dirty="0"/>
+                      <a:endParaRPr lang="ko-KR" altLang="en-US" sz="1000" u="none" dirty="0"/>
                     </a:p>
                   </a:txBody>
                   <a:tcPr/>
@@ -4769,11 +4769,11 @@
                     <a:p>
                       <a:pPr latinLnBrk="1"/>
                       <a:r>
-                        <a:rPr lang="en-US" altLang="ko-KR" sz="1000"/>
+                        <a:rPr lang="en-US" altLang="ko-KR" sz="1000" u="sng"/>
                         <a:t>KSM 6070 </a:t>
                       </a:r>
                       <a:r>
-                        <a:rPr lang="ko-KR" altLang="en-US" sz="1000"/>
+                        <a:rPr lang="ko-KR" altLang="en-US" sz="1000" u="sng"/>
                         <a:t>에폭시 수지</a:t>
                       </a:r>
                     </a:p>
@@ -4897,14 +4897,14 @@
                         <a:defRPr/>
                       </a:pPr>
                       <a:r>
-                        <a:rPr lang="en-US" altLang="ko-KR" sz="1000" u="sng" dirty="0"/>
+                        <a:rPr lang="en-US" altLang="ko-KR" sz="1000" u="none" dirty="0"/>
                         <a:t>RM-0006</a:t>
                       </a:r>
-                      <a:endParaRPr lang="ko-KR" altLang="en-US" sz="1000" u="sng" dirty="0"/>
+                      <a:endParaRPr lang="ko-KR" altLang="en-US" sz="1000" u="none" dirty="0"/>
                     </a:p>
                     <a:p>
                       <a:pPr latinLnBrk="1"/>
-                      <a:endParaRPr lang="ko-KR" altLang="en-US" sz="1000" u="sng" dirty="0"/>
+                      <a:endParaRPr lang="ko-KR" altLang="en-US" sz="1000" u="none" dirty="0"/>
                     </a:p>
                   </a:txBody>
                   <a:tcPr/>
@@ -4918,10 +4918,10 @@
                         <a:buNone/>
                       </a:pPr>
                       <a:r>
-                        <a:rPr lang="ko-KR" altLang="en-US" sz="1000"/>
+                        <a:rPr lang="ko-KR" altLang="en-US" sz="1000" u="sng"/>
                         <a:t>포장지</a:t>
                       </a:r>
-                      <a:endParaRPr lang="ko-KR" altLang="en-US"/>
+                      <a:endParaRPr lang="ko-KR" altLang="en-US" u="sng"/>
                     </a:p>
                   </a:txBody>
                   <a:tcPr anchor="ctr"/>
@@ -5043,14 +5043,14 @@
                         <a:defRPr/>
                       </a:pPr>
                       <a:r>
-                        <a:rPr lang="en-US" altLang="ko-KR" sz="1000" u="sng" dirty="0"/>
+                        <a:rPr lang="en-US" altLang="ko-KR" sz="1000" u="none" dirty="0"/>
                         <a:t>PM-0001</a:t>
                       </a:r>
-                      <a:endParaRPr lang="ko-KR" altLang="en-US" sz="1000" u="sng" dirty="0"/>
+                      <a:endParaRPr lang="ko-KR" altLang="en-US" sz="1000" u="none" dirty="0"/>
                     </a:p>
                     <a:p>
                       <a:pPr latinLnBrk="1"/>
-                      <a:endParaRPr lang="ko-KR" altLang="en-US" sz="1000" u="sng" dirty="0"/>
+                      <a:endParaRPr lang="ko-KR" altLang="en-US" sz="1000" u="none" dirty="0"/>
                     </a:p>
                   </a:txBody>
                   <a:tcPr/>
@@ -5064,11 +5064,11 @@
                         <a:buNone/>
                       </a:pPr>
                       <a:r>
-                        <a:rPr lang="en-US" altLang="ko-KR" sz="1000"/>
+                        <a:rPr lang="en-US" altLang="ko-KR" sz="1000" u="sng"/>
                         <a:t>BK0090 </a:t>
                       </a:r>
                       <a:r>
-                        <a:rPr lang="ko-KR" altLang="en-US" sz="1000"/>
+                        <a:rPr lang="ko-KR" altLang="en-US" sz="1000" u="sng"/>
                         <a:t>무광 블랙</a:t>
                       </a:r>
                     </a:p>
@@ -5196,14 +5196,14 @@
                         <a:defRPr/>
                       </a:pPr>
                       <a:r>
-                        <a:rPr lang="en-US" altLang="ko-KR" sz="1000" u="sng" dirty="0"/>
+                        <a:rPr lang="en-US" altLang="ko-KR" sz="1000" u="none" dirty="0"/>
                         <a:t>PM-0002</a:t>
                       </a:r>
-                      <a:endParaRPr lang="ko-KR" altLang="en-US" sz="1000" u="sng" dirty="0"/>
+                      <a:endParaRPr lang="ko-KR" altLang="en-US" sz="1000" u="none" dirty="0"/>
                     </a:p>
                     <a:p>
                       <a:pPr latinLnBrk="1"/>
-                      <a:endParaRPr lang="ko-KR" altLang="en-US" sz="1000" u="sng" dirty="0"/>
+                      <a:endParaRPr lang="ko-KR" altLang="en-US" sz="1000" u="none" dirty="0"/>
                     </a:p>
                   </a:txBody>
                   <a:tcPr/>
@@ -5215,7 +5215,7 @@
                     <a:p>
                       <a:pPr latinLnBrk="1"/>
                       <a:r>
-                        <a:rPr lang="ko-KR" altLang="en-US" sz="1000"/>
+                        <a:rPr lang="ko-KR" altLang="en-US" sz="1000" u="sng"/>
                         <a:t>십자 드라이버</a:t>
                       </a:r>
                     </a:p>
@@ -5379,10 +5379,10 @@
                         <a:defRPr/>
                       </a:pPr>
                       <a:r>
-                        <a:rPr lang="en-US" altLang="ko-KR" sz="1000" u="sng" dirty="0"/>
+                        <a:rPr lang="en-US" altLang="ko-KR" sz="1000" u="none" dirty="0"/>
                         <a:t>PM-0005</a:t>
                       </a:r>
-                      <a:endParaRPr lang="ko-KR" altLang="en-US" sz="1000" u="sng" dirty="0"/>
+                      <a:endParaRPr lang="ko-KR" altLang="en-US" sz="1000" u="none" dirty="0"/>
                     </a:p>
                   </a:txBody>
                   <a:tcPr/>
@@ -5394,7 +5394,7 @@
                     <a:p>
                       <a:pPr latinLnBrk="1"/>
                       <a:r>
-                        <a:rPr lang="ko-KR" altLang="en-US" sz="1000"/>
+                        <a:rPr lang="ko-KR" altLang="en-US" sz="1000" u="sng"/>
                         <a:t>절연 테이프</a:t>
                       </a:r>
                     </a:p>
@@ -5538,14 +5538,14 @@
                         <a:defRPr/>
                       </a:pPr>
                       <a:r>
-                        <a:rPr lang="en-US" altLang="ko-KR" sz="1000" u="sng" dirty="0"/>
+                        <a:rPr lang="en-US" altLang="ko-KR" sz="1000" u="none" dirty="0"/>
                         <a:t>PM-0006</a:t>
                       </a:r>
-                      <a:endParaRPr lang="ko-KR" altLang="en-US" sz="1000" u="sng" dirty="0"/>
+                      <a:endParaRPr lang="ko-KR" altLang="en-US" sz="1000" u="none" dirty="0"/>
                     </a:p>
                     <a:p>
                       <a:pPr latinLnBrk="1"/>
-                      <a:endParaRPr lang="ko-KR" altLang="en-US" sz="1000" u="sng" dirty="0"/>
+                      <a:endParaRPr lang="ko-KR" altLang="en-US" sz="1000" u="none" dirty="0"/>
                     </a:p>
                   </a:txBody>
                   <a:tcPr/>
@@ -5557,10 +5557,10 @@
                     <a:p>
                       <a:pPr latinLnBrk="1"/>
                       <a:r>
-                        <a:rPr lang="en-US" altLang="ko-KR" sz="1000"/>
+                        <a:rPr lang="en-US" altLang="ko-KR" sz="1000" u="sng"/>
                         <a:t>POWLAC EP300 FS-34094(KSM6070)</a:t>
                       </a:r>
-                      <a:endParaRPr lang="ko-KR" altLang="en-US" sz="1000"/>
+                      <a:endParaRPr lang="ko-KR" altLang="en-US" sz="1000" u="sng"/>
                     </a:p>
                   </a:txBody>
                   <a:tcPr/>
@@ -6106,7 +6106,7 @@
         </p:nvSpPr>
         <p:spPr>
           <a:xfrm>
-            <a:off x="11104724" y="5809719"/>
+            <a:off x="11098309" y="5734197"/>
             <a:ext cx="741572" cy="227002"/>
           </a:xfrm>
           <a:prstGeom prst="roundRect">
